--- a/images/figures.pptx
+++ b/images/figures.pptx
@@ -6,7 +6,6 @@
   </p:sldMasterIdLst>
   <p:sldIdLst>
     <p:sldId id="256" r:id="rId2"/>
-    <p:sldId id="257" r:id="rId3"/>
   </p:sldIdLst>
   <p:sldSz cx="12192000" cy="6858000"/>
   <p:notesSz cx="6858000" cy="9144000"/>
@@ -259,7 +258,7 @@
           <a:lstStyle/>
           <a:p>
             <a:fld id="{5660586E-F190-CD48-9318-B9AABAD92EDA}" type="datetimeFigureOut">
-              <a:t>2023/9/25</a:t>
+              <a:t>2023/9/29</a:t>
             </a:fld>
             <a:endParaRPr kumimoji="1" lang="ja-JP" altLang="en-US"/>
           </a:p>
@@ -487,7 +486,7 @@
           <a:lstStyle/>
           <a:p>
             <a:fld id="{5660586E-F190-CD48-9318-B9AABAD92EDA}" type="datetimeFigureOut">
-              <a:t>2023/9/25</a:t>
+              <a:t>2023/9/29</a:t>
             </a:fld>
             <a:endParaRPr kumimoji="1" lang="ja-JP" altLang="en-US"/>
           </a:p>
@@ -725,7 +724,7 @@
           <a:lstStyle/>
           <a:p>
             <a:fld id="{5660586E-F190-CD48-9318-B9AABAD92EDA}" type="datetimeFigureOut">
-              <a:t>2023/9/25</a:t>
+              <a:t>2023/9/29</a:t>
             </a:fld>
             <a:endParaRPr kumimoji="1" lang="ja-JP" altLang="en-US"/>
           </a:p>
@@ -953,7 +952,7 @@
           <a:lstStyle/>
           <a:p>
             <a:fld id="{5660586E-F190-CD48-9318-B9AABAD92EDA}" type="datetimeFigureOut">
-              <a:t>2023/9/25</a:t>
+              <a:t>2023/9/29</a:t>
             </a:fld>
             <a:endParaRPr kumimoji="1" lang="ja-JP" altLang="en-US"/>
           </a:p>
@@ -1226,7 +1225,7 @@
           <a:lstStyle/>
           <a:p>
             <a:fld id="{5660586E-F190-CD48-9318-B9AABAD92EDA}" type="datetimeFigureOut">
-              <a:t>2023/9/25</a:t>
+              <a:t>2023/9/29</a:t>
             </a:fld>
             <a:endParaRPr kumimoji="1" lang="ja-JP" altLang="en-US"/>
           </a:p>
@@ -1553,7 +1552,7 @@
           <a:lstStyle/>
           <a:p>
             <a:fld id="{5660586E-F190-CD48-9318-B9AABAD92EDA}" type="datetimeFigureOut">
-              <a:t>2023/9/25</a:t>
+              <a:t>2023/9/29</a:t>
             </a:fld>
             <a:endParaRPr kumimoji="1" lang="ja-JP" altLang="en-US"/>
           </a:p>
@@ -2027,7 +2026,7 @@
           <a:lstStyle/>
           <a:p>
             <a:fld id="{5660586E-F190-CD48-9318-B9AABAD92EDA}" type="datetimeFigureOut">
-              <a:t>2023/9/25</a:t>
+              <a:t>2023/9/29</a:t>
             </a:fld>
             <a:endParaRPr kumimoji="1" lang="ja-JP" altLang="en-US"/>
           </a:p>
@@ -2166,7 +2165,7 @@
           <a:lstStyle/>
           <a:p>
             <a:fld id="{5660586E-F190-CD48-9318-B9AABAD92EDA}" type="datetimeFigureOut">
-              <a:t>2023/9/25</a:t>
+              <a:t>2023/9/29</a:t>
             </a:fld>
             <a:endParaRPr kumimoji="1" lang="ja-JP" altLang="en-US"/>
           </a:p>
@@ -2277,7 +2276,7 @@
           <a:lstStyle/>
           <a:p>
             <a:fld id="{5660586E-F190-CD48-9318-B9AABAD92EDA}" type="datetimeFigureOut">
-              <a:t>2023/9/25</a:t>
+              <a:t>2023/9/29</a:t>
             </a:fld>
             <a:endParaRPr kumimoji="1" lang="ja-JP" altLang="en-US"/>
           </a:p>
@@ -2618,7 +2617,7 @@
           <a:lstStyle/>
           <a:p>
             <a:fld id="{5660586E-F190-CD48-9318-B9AABAD92EDA}" type="datetimeFigureOut">
-              <a:t>2023/9/25</a:t>
+              <a:t>2023/9/29</a:t>
             </a:fld>
             <a:endParaRPr kumimoji="1" lang="ja-JP" altLang="en-US"/>
           </a:p>
@@ -2904,7 +2903,7 @@
           <a:lstStyle/>
           <a:p>
             <a:fld id="{5660586E-F190-CD48-9318-B9AABAD92EDA}" type="datetimeFigureOut">
-              <a:t>2023/9/25</a:t>
+              <a:t>2023/9/29</a:t>
             </a:fld>
             <a:endParaRPr kumimoji="1" lang="ja-JP" altLang="en-US"/>
           </a:p>
@@ -3175,7 +3174,7 @@
           </a:lstStyle>
           <a:p>
             <a:fld id="{5660586E-F190-CD48-9318-B9AABAD92EDA}" type="datetimeFigureOut">
-              <a:t>2023/9/25</a:t>
+              <a:t>2023/9/29</a:t>
             </a:fld>
             <a:endParaRPr kumimoji="1" lang="ja-JP" altLang="en-US"/>
           </a:p>
@@ -5566,487 +5565,6 @@
 </p:sld>
 </file>
 
-<file path=ppt/slides/slide2.xml><?xml version="1.0" encoding="utf-8"?>
-<p:sld xmlns:a="http://schemas.openxmlformats.org/drawingml/2006/main" xmlns:r="http://schemas.openxmlformats.org/officeDocument/2006/relationships" xmlns:p="http://schemas.openxmlformats.org/presentationml/2006/main">
-  <p:cSld>
-    <p:spTree>
-      <p:nvGrpSpPr>
-        <p:cNvPr id="1" name=""/>
-        <p:cNvGrpSpPr/>
-        <p:nvPr/>
-      </p:nvGrpSpPr>
-      <p:grpSpPr>
-        <a:xfrm>
-          <a:off x="0" y="0"/>
-          <a:ext cx="0" cy="0"/>
-          <a:chOff x="0" y="0"/>
-          <a:chExt cx="0" cy="0"/>
-        </a:xfrm>
-      </p:grpSpPr>
-      <p:pic>
-        <p:nvPicPr>
-          <p:cNvPr id="5" name="図 4" descr="散布図&#10;&#10;中程度の精度で自動的に生成された説明">
-            <a:extLst>
-              <a:ext uri="{FF2B5EF4-FFF2-40B4-BE49-F238E27FC236}">
-                <a16:creationId xmlns:a16="http://schemas.microsoft.com/office/drawing/2014/main" id="{B70DD752-F631-CF5C-5802-36FE6C52E9D3}"/>
-              </a:ext>
-            </a:extLst>
-          </p:cNvPr>
-          <p:cNvPicPr>
-            <a:picLocks noChangeAspect="1"/>
-          </p:cNvPicPr>
-          <p:nvPr/>
-        </p:nvPicPr>
-        <p:blipFill>
-          <a:blip r:embed="rId2"/>
-          <a:stretch>
-            <a:fillRect/>
-          </a:stretch>
-        </p:blipFill>
-        <p:spPr>
-          <a:xfrm>
-            <a:off x="2984500" y="1079500"/>
-            <a:ext cx="6223000" cy="4699000"/>
-          </a:xfrm>
-          <a:prstGeom prst="rect">
-            <a:avLst/>
-          </a:prstGeom>
-        </p:spPr>
-      </p:pic>
-      <p:sp>
-        <p:nvSpPr>
-          <p:cNvPr id="6" name="テキスト ボックス 5">
-            <a:extLst>
-              <a:ext uri="{FF2B5EF4-FFF2-40B4-BE49-F238E27FC236}">
-                <a16:creationId xmlns:a16="http://schemas.microsoft.com/office/drawing/2014/main" id="{C5F573CC-3A33-D34A-7C63-E9B8C9746D82}"/>
-              </a:ext>
-            </a:extLst>
-          </p:cNvPr>
-          <p:cNvSpPr txBox="1"/>
-          <p:nvPr/>
-        </p:nvSpPr>
-        <p:spPr>
-          <a:xfrm>
-            <a:off x="272143" y="217714"/>
-            <a:ext cx="910827" cy="369332"/>
-          </a:xfrm>
-          <a:prstGeom prst="rect">
-            <a:avLst/>
-          </a:prstGeom>
-          <a:noFill/>
-        </p:spPr>
-        <p:txBody>
-          <a:bodyPr wrap="none" rtlCol="0">
-            <a:spAutoFit/>
-          </a:bodyPr>
-          <a:lstStyle/>
-          <a:p>
-            <a:r>
-              <a:rPr kumimoji="1" lang="en-US" altLang="ja-JP"/>
-              <a:t>ex05-1</a:t>
-            </a:r>
-            <a:endParaRPr kumimoji="1" lang="ja-JP" altLang="en-US"/>
-          </a:p>
-        </p:txBody>
-      </p:sp>
-      <p:sp>
-        <p:nvSpPr>
-          <p:cNvPr id="7" name="正方形/長方形 6">
-            <a:extLst>
-              <a:ext uri="{FF2B5EF4-FFF2-40B4-BE49-F238E27FC236}">
-                <a16:creationId xmlns:a16="http://schemas.microsoft.com/office/drawing/2014/main" id="{197D921A-A598-5E2D-95C0-0C6A780886D7}"/>
-              </a:ext>
-            </a:extLst>
-          </p:cNvPr>
-          <p:cNvSpPr/>
-          <p:nvPr/>
-        </p:nvSpPr>
-        <p:spPr>
-          <a:xfrm>
-            <a:off x="5617029" y="2057400"/>
-            <a:ext cx="1088572" cy="707572"/>
-          </a:xfrm>
-          <a:prstGeom prst="rect">
-            <a:avLst/>
-          </a:prstGeom>
-          <a:noFill/>
-          <a:ln w="19050">
-            <a:solidFill>
-              <a:srgbClr val="C00000"/>
-            </a:solidFill>
-          </a:ln>
-        </p:spPr>
-        <p:style>
-          <a:lnRef idx="2">
-            <a:schemeClr val="accent1">
-              <a:shade val="15000"/>
-            </a:schemeClr>
-          </a:lnRef>
-          <a:fillRef idx="1">
-            <a:schemeClr val="accent1"/>
-          </a:fillRef>
-          <a:effectRef idx="0">
-            <a:schemeClr val="accent1"/>
-          </a:effectRef>
-          <a:fontRef idx="minor">
-            <a:schemeClr val="lt1"/>
-          </a:fontRef>
-        </p:style>
-        <p:txBody>
-          <a:bodyPr rtlCol="0" anchor="ctr"/>
-          <a:lstStyle/>
-          <a:p>
-            <a:pPr algn="ctr"/>
-            <a:endParaRPr kumimoji="1" lang="ja-JP" altLang="en-US"/>
-          </a:p>
-        </p:txBody>
-      </p:sp>
-      <p:sp>
-        <p:nvSpPr>
-          <p:cNvPr id="9" name="フリーフォーム 8">
-            <a:extLst>
-              <a:ext uri="{FF2B5EF4-FFF2-40B4-BE49-F238E27FC236}">
-                <a16:creationId xmlns:a16="http://schemas.microsoft.com/office/drawing/2014/main" id="{2F80E2F6-4ED2-F863-7E5B-D0584AEBDA87}"/>
-              </a:ext>
-            </a:extLst>
-          </p:cNvPr>
-          <p:cNvSpPr/>
-          <p:nvPr/>
-        </p:nvSpPr>
-        <p:spPr>
-          <a:xfrm>
-            <a:off x="6161314" y="1643743"/>
-            <a:ext cx="979715" cy="402771"/>
-          </a:xfrm>
-          <a:custGeom>
-            <a:avLst/>
-            <a:gdLst>
-              <a:gd name="connsiteX0" fmla="*/ 0 w 979715"/>
-              <a:gd name="connsiteY0" fmla="*/ 402771 h 402771"/>
-              <a:gd name="connsiteX1" fmla="*/ 402771 w 979715"/>
-              <a:gd name="connsiteY1" fmla="*/ 0 h 402771"/>
-              <a:gd name="connsiteX2" fmla="*/ 979715 w 979715"/>
-              <a:gd name="connsiteY2" fmla="*/ 0 h 402771"/>
-            </a:gdLst>
-            <a:ahLst/>
-            <a:cxnLst>
-              <a:cxn ang="0">
-                <a:pos x="connsiteX0" y="connsiteY0"/>
-              </a:cxn>
-              <a:cxn ang="0">
-                <a:pos x="connsiteX1" y="connsiteY1"/>
-              </a:cxn>
-              <a:cxn ang="0">
-                <a:pos x="connsiteX2" y="connsiteY2"/>
-              </a:cxn>
-            </a:cxnLst>
-            <a:rect l="l" t="t" r="r" b="b"/>
-            <a:pathLst>
-              <a:path w="979715" h="402771">
-                <a:moveTo>
-                  <a:pt x="0" y="402771"/>
-                </a:moveTo>
-                <a:lnTo>
-                  <a:pt x="402771" y="0"/>
-                </a:lnTo>
-                <a:lnTo>
-                  <a:pt x="979715" y="0"/>
-                </a:lnTo>
-              </a:path>
-            </a:pathLst>
-          </a:custGeom>
-          <a:noFill/>
-          <a:ln w="19050">
-            <a:solidFill>
-              <a:srgbClr val="C00000"/>
-            </a:solidFill>
-          </a:ln>
-        </p:spPr>
-        <p:style>
-          <a:lnRef idx="2">
-            <a:schemeClr val="accent1">
-              <a:shade val="15000"/>
-            </a:schemeClr>
-          </a:lnRef>
-          <a:fillRef idx="1">
-            <a:schemeClr val="accent1"/>
-          </a:fillRef>
-          <a:effectRef idx="0">
-            <a:schemeClr val="accent1"/>
-          </a:effectRef>
-          <a:fontRef idx="minor">
-            <a:schemeClr val="lt1"/>
-          </a:fontRef>
-        </p:style>
-        <p:txBody>
-          <a:bodyPr rtlCol="0" anchor="ctr"/>
-          <a:lstStyle/>
-          <a:p>
-            <a:pPr algn="ctr"/>
-            <a:endParaRPr kumimoji="1" lang="ja-JP" altLang="en-US"/>
-          </a:p>
-        </p:txBody>
-      </p:sp>
-      <p:sp>
-        <p:nvSpPr>
-          <p:cNvPr id="11" name="フリーフォーム 10">
-            <a:extLst>
-              <a:ext uri="{FF2B5EF4-FFF2-40B4-BE49-F238E27FC236}">
-                <a16:creationId xmlns:a16="http://schemas.microsoft.com/office/drawing/2014/main" id="{467D5296-BC3F-1481-D3F2-D59F6C49D5DB}"/>
-              </a:ext>
-            </a:extLst>
-          </p:cNvPr>
-          <p:cNvSpPr/>
-          <p:nvPr/>
-        </p:nvSpPr>
-        <p:spPr>
-          <a:xfrm>
-            <a:off x="5290457" y="3667579"/>
-            <a:ext cx="979715" cy="402771"/>
-          </a:xfrm>
-          <a:custGeom>
-            <a:avLst/>
-            <a:gdLst>
-              <a:gd name="connsiteX0" fmla="*/ 0 w 979715"/>
-              <a:gd name="connsiteY0" fmla="*/ 402771 h 402771"/>
-              <a:gd name="connsiteX1" fmla="*/ 402771 w 979715"/>
-              <a:gd name="connsiteY1" fmla="*/ 0 h 402771"/>
-              <a:gd name="connsiteX2" fmla="*/ 979715 w 979715"/>
-              <a:gd name="connsiteY2" fmla="*/ 0 h 402771"/>
-            </a:gdLst>
-            <a:ahLst/>
-            <a:cxnLst>
-              <a:cxn ang="0">
-                <a:pos x="connsiteX0" y="connsiteY0"/>
-              </a:cxn>
-              <a:cxn ang="0">
-                <a:pos x="connsiteX1" y="connsiteY1"/>
-              </a:cxn>
-              <a:cxn ang="0">
-                <a:pos x="connsiteX2" y="connsiteY2"/>
-              </a:cxn>
-            </a:cxnLst>
-            <a:rect l="l" t="t" r="r" b="b"/>
-            <a:pathLst>
-              <a:path w="979715" h="402771">
-                <a:moveTo>
-                  <a:pt x="0" y="402771"/>
-                </a:moveTo>
-                <a:lnTo>
-                  <a:pt x="402771" y="0"/>
-                </a:lnTo>
-                <a:lnTo>
-                  <a:pt x="979715" y="0"/>
-                </a:lnTo>
-              </a:path>
-            </a:pathLst>
-          </a:custGeom>
-          <a:noFill/>
-          <a:ln w="19050">
-            <a:solidFill>
-              <a:srgbClr val="C00000"/>
-            </a:solidFill>
-          </a:ln>
-        </p:spPr>
-        <p:style>
-          <a:lnRef idx="2">
-            <a:schemeClr val="accent1">
-              <a:shade val="15000"/>
-            </a:schemeClr>
-          </a:lnRef>
-          <a:fillRef idx="1">
-            <a:schemeClr val="accent1"/>
-          </a:fillRef>
-          <a:effectRef idx="0">
-            <a:schemeClr val="accent1"/>
-          </a:effectRef>
-          <a:fontRef idx="minor">
-            <a:schemeClr val="lt1"/>
-          </a:fontRef>
-        </p:style>
-        <p:txBody>
-          <a:bodyPr rtlCol="0" anchor="ctr"/>
-          <a:lstStyle/>
-          <a:p>
-            <a:pPr algn="ctr"/>
-            <a:endParaRPr kumimoji="1" lang="ja-JP" altLang="en-US"/>
-          </a:p>
-        </p:txBody>
-      </p:sp>
-      <p:sp>
-        <p:nvSpPr>
-          <p:cNvPr id="12" name="テキスト ボックス 11">
-            <a:extLst>
-              <a:ext uri="{FF2B5EF4-FFF2-40B4-BE49-F238E27FC236}">
-                <a16:creationId xmlns:a16="http://schemas.microsoft.com/office/drawing/2014/main" id="{BD476D10-0C0D-17DA-CD6C-A518D2BAC929}"/>
-              </a:ext>
-            </a:extLst>
-          </p:cNvPr>
-          <p:cNvSpPr txBox="1"/>
-          <p:nvPr/>
-        </p:nvSpPr>
-        <p:spPr>
-          <a:xfrm>
-            <a:off x="7260772" y="1320577"/>
-            <a:ext cx="3185487" cy="646331"/>
-          </a:xfrm>
-          <a:prstGeom prst="rect">
-            <a:avLst/>
-          </a:prstGeom>
-          <a:solidFill>
-            <a:schemeClr val="bg1"/>
-          </a:solidFill>
-        </p:spPr>
-        <p:txBody>
-          <a:bodyPr wrap="none" rtlCol="0">
-            <a:spAutoFit/>
-          </a:bodyPr>
-          <a:lstStyle/>
-          <a:p>
-            <a:r>
-              <a:rPr kumimoji="1" lang="ja-JP" altLang="en-US"/>
-              <a:t>むらさきと青の魚の</a:t>
-            </a:r>
-            <a:r>
-              <a:rPr lang="ja-JP" altLang="en-US"/>
-              <a:t>真ん中に</a:t>
-            </a:r>
-            <a:endParaRPr lang="en-US" altLang="ja-JP"/>
-          </a:p>
-          <a:p>
-            <a:r>
-              <a:rPr lang="ja-JP" altLang="en-US"/>
-              <a:t>オレンジの魚を表示させる</a:t>
-            </a:r>
-            <a:endParaRPr kumimoji="1" lang="ja-JP" altLang="en-US"/>
-          </a:p>
-        </p:txBody>
-      </p:sp>
-      <p:sp>
-        <p:nvSpPr>
-          <p:cNvPr id="13" name="テキスト ボックス 12">
-            <a:extLst>
-              <a:ext uri="{FF2B5EF4-FFF2-40B4-BE49-F238E27FC236}">
-                <a16:creationId xmlns:a16="http://schemas.microsoft.com/office/drawing/2014/main" id="{8588D99E-CB33-B8C2-EE20-ED28D84FDED7}"/>
-              </a:ext>
-            </a:extLst>
-          </p:cNvPr>
-          <p:cNvSpPr txBox="1"/>
-          <p:nvPr/>
-        </p:nvSpPr>
-        <p:spPr>
-          <a:xfrm>
-            <a:off x="6270172" y="3344413"/>
-            <a:ext cx="2723823" cy="646331"/>
-          </a:xfrm>
-          <a:prstGeom prst="rect">
-            <a:avLst/>
-          </a:prstGeom>
-          <a:solidFill>
-            <a:schemeClr val="bg1"/>
-          </a:solidFill>
-        </p:spPr>
-        <p:txBody>
-          <a:bodyPr wrap="none" rtlCol="0">
-            <a:spAutoFit/>
-          </a:bodyPr>
-          <a:lstStyle/>
-          <a:p>
-            <a:r>
-              <a:rPr kumimoji="1" lang="ja-JP" altLang="en-US"/>
-              <a:t>真ん中の値（平均値）を</a:t>
-            </a:r>
-            <a:endParaRPr kumimoji="1" lang="en-US" altLang="ja-JP"/>
-          </a:p>
-          <a:p>
-            <a:r>
-              <a:rPr lang="ja-JP" altLang="en-US"/>
-              <a:t>整数で表示する</a:t>
-            </a:r>
-            <a:endParaRPr kumimoji="1" lang="ja-JP" altLang="en-US"/>
-          </a:p>
-        </p:txBody>
-      </p:sp>
-      <p:sp>
-        <p:nvSpPr>
-          <p:cNvPr id="14" name="テキスト ボックス 13">
-            <a:extLst>
-              <a:ext uri="{FF2B5EF4-FFF2-40B4-BE49-F238E27FC236}">
-                <a16:creationId xmlns:a16="http://schemas.microsoft.com/office/drawing/2014/main" id="{1E2362CE-7425-CA11-0FBA-82AE562A781F}"/>
-              </a:ext>
-            </a:extLst>
-          </p:cNvPr>
-          <p:cNvSpPr txBox="1"/>
-          <p:nvPr/>
-        </p:nvSpPr>
-        <p:spPr>
-          <a:xfrm>
-            <a:off x="7132391" y="4614093"/>
-            <a:ext cx="1821332" cy="923330"/>
-          </a:xfrm>
-          <a:prstGeom prst="rect">
-            <a:avLst/>
-          </a:prstGeom>
-          <a:noFill/>
-          <a:ln>
-            <a:solidFill>
-              <a:srgbClr val="0070C0"/>
-            </a:solidFill>
-          </a:ln>
-        </p:spPr>
-        <p:txBody>
-          <a:bodyPr wrap="none" rtlCol="0">
-            <a:spAutoFit/>
-          </a:bodyPr>
-          <a:lstStyle/>
-          <a:p>
-            <a:r>
-              <a:rPr lang="ja-JP" altLang="en-US"/>
-              <a:t>真ん中の値は</a:t>
-            </a:r>
-            <a:endParaRPr lang="en-US" altLang="ja-JP"/>
-          </a:p>
-          <a:p>
-            <a:r>
-              <a:rPr lang="en-US" altLang="ja-JP"/>
-              <a:t> (A + B) ÷</a:t>
-            </a:r>
-            <a:r>
-              <a:rPr lang="ja-JP" altLang="en-US"/>
-              <a:t> </a:t>
-            </a:r>
-            <a:r>
-              <a:rPr lang="en-US" altLang="ja-JP"/>
-              <a:t>2</a:t>
-            </a:r>
-            <a:r>
-              <a:rPr lang="ja-JP" altLang="en-US"/>
-              <a:t> で</a:t>
-            </a:r>
-            <a:endParaRPr lang="en-US" altLang="ja-JP"/>
-          </a:p>
-          <a:p>
-            <a:r>
-              <a:rPr lang="ja-JP" altLang="en-US"/>
-              <a:t>計算できるよ</a:t>
-            </a:r>
-            <a:endParaRPr lang="en-US" altLang="ja-JP"/>
-          </a:p>
-        </p:txBody>
-      </p:sp>
-    </p:spTree>
-    <p:extLst>
-      <p:ext uri="{BB962C8B-B14F-4D97-AF65-F5344CB8AC3E}">
-        <p14:creationId xmlns:p14="http://schemas.microsoft.com/office/powerpoint/2010/main" val="2318941983"/>
-      </p:ext>
-    </p:extLst>
-  </p:cSld>
-  <p:clrMapOvr>
-    <a:masterClrMapping/>
-  </p:clrMapOvr>
-</p:sld>
-</file>
-
 <file path=ppt/theme/theme1.xml><?xml version="1.0" encoding="utf-8"?>
 <a:theme xmlns:a="http://schemas.openxmlformats.org/drawingml/2006/main" name="Office テーマ">
   <a:themeElements>
